--- a/files/Meru Cabs in Jamaica.pptx
+++ b/files/Meru Cabs in Jamaica.pptx
@@ -1976,8 +1976,8 @@
     <dgm:cxn modelId="{FD27F031-B943-4B1E-8047-5D29BC8803FF}" type="presOf" srcId="{0FF19A22-537C-4C3B-BD63-0DCF20573A13}" destId="{163E38E0-C254-4F25-829F-C03CA82692D0}" srcOrd="0" destOrd="0" presId="urn:microsoft.com/office/officeart/2005/8/layout/hList6"/>
     <dgm:cxn modelId="{070ABBA1-E051-41A7-8B43-1CDEE8A16DE4}" srcId="{69765416-AE25-4C5C-AD4C-07A84F1F4570}" destId="{0FF19A22-537C-4C3B-BD63-0DCF20573A13}" srcOrd="0" destOrd="0" parTransId="{7C413C7B-4D9E-4BEC-AB20-CBF05689A863}" sibTransId="{09E741AF-F83C-4F87-81C7-DF0F5FC68735}"/>
     <dgm:cxn modelId="{58AC52A7-CF9B-402A-B172-E3712AB7D742}" type="presOf" srcId="{5C01DDBD-E288-45D3-9145-AC9A81D54BCF}" destId="{163E38E0-C254-4F25-829F-C03CA82692D0}" srcOrd="0" destOrd="1" presId="urn:microsoft.com/office/officeart/2005/8/layout/hList6"/>
+    <dgm:cxn modelId="{B8213C1D-2F4E-4EB6-A6C9-4B784AEDEC38}" srcId="{DA6D211E-0C20-4424-A9F7-3F96C2FCF84F}" destId="{37834D31-B4D4-40BE-87EB-7F74ABD993CD}" srcOrd="2" destOrd="0" parTransId="{15F2E3AF-6370-41F1-AC0A-D15005FBC1C5}" sibTransId="{437A38FB-75ED-48E4-B7A4-AEFE4B6948E5}"/>
     <dgm:cxn modelId="{FA1B8756-883B-42DC-8C55-4EF543F7DC3F}" type="presOf" srcId="{9271C203-D2F8-49E4-9F1C-F5F6F79B68F0}" destId="{DCD47458-A7B2-44BE-9638-7BAF8BD1B20A}" srcOrd="0" destOrd="2" presId="urn:microsoft.com/office/officeart/2005/8/layout/hList6"/>
-    <dgm:cxn modelId="{B8213C1D-2F4E-4EB6-A6C9-4B784AEDEC38}" srcId="{DA6D211E-0C20-4424-A9F7-3F96C2FCF84F}" destId="{37834D31-B4D4-40BE-87EB-7F74ABD993CD}" srcOrd="2" destOrd="0" parTransId="{15F2E3AF-6370-41F1-AC0A-D15005FBC1C5}" sibTransId="{437A38FB-75ED-48E4-B7A4-AEFE4B6948E5}"/>
     <dgm:cxn modelId="{3619F9AE-A5EA-4A50-8C7F-2777BAA5790B}" srcId="{DA6D211E-0C20-4424-A9F7-3F96C2FCF84F}" destId="{B2EB2ECC-27AC-48E0-B62A-3D36B6CFDB2B}" srcOrd="0" destOrd="0" parTransId="{C705DAA2-C3DB-4C81-8EBD-68E59358AA19}" sibTransId="{62F991F9-FF23-49A8-B446-95D6412F2571}"/>
     <dgm:cxn modelId="{8C3E4D71-B9B0-4AA3-B37F-80CBB66F987A}" type="presOf" srcId="{B2EB2ECC-27AC-48E0-B62A-3D36B6CFDB2B}" destId="{DCD47458-A7B2-44BE-9638-7BAF8BD1B20A}" srcOrd="0" destOrd="1" presId="urn:microsoft.com/office/officeart/2005/8/layout/hList6"/>
     <dgm:cxn modelId="{195431FF-DEB4-4D7B-B29D-A87817C3FC36}" type="presOf" srcId="{DA6D211E-0C20-4424-A9F7-3F96C2FCF84F}" destId="{DCD47458-A7B2-44BE-9638-7BAF8BD1B20A}" srcOrd="0" destOrd="0" presId="urn:microsoft.com/office/officeart/2005/8/layout/hList6"/>
@@ -5556,7 +5556,7 @@
           <a:p>
             <a:fld id="{C4F2995E-F6DD-47A0-BFB0-F93BD5509AA5}" type="datetimeFigureOut">
               <a:rPr lang="en-US" smtClean="0"/>
-              <a:t>3/26/2018</a:t>
+              <a:t>8/24/2018</a:t>
             </a:fld>
             <a:endParaRPr lang="en-US"/>
           </a:p>
@@ -7331,7 +7331,7 @@
           <a:p>
             <a:fld id="{4AAD347D-5ACD-4C99-B74B-A9C85AD731AF}" type="datetimeFigureOut">
               <a:rPr lang="en-US" smtClean="0"/>
-              <a:t>3/26/2018</a:t>
+              <a:t>8/24/2018</a:t>
             </a:fld>
             <a:endParaRPr lang="en-US" dirty="0"/>
           </a:p>
@@ -7622,7 +7622,7 @@
           <a:p>
             <a:fld id="{4509A250-FF31-4206-8172-F9D3106AACB1}" type="datetimeFigureOut">
               <a:rPr lang="en-US" smtClean="0"/>
-              <a:t>3/26/2018</a:t>
+              <a:t>8/24/2018</a:t>
             </a:fld>
             <a:endParaRPr lang="en-US" dirty="0"/>
           </a:p>
@@ -7881,7 +7881,7 @@
           <a:p>
             <a:fld id="{4509A250-FF31-4206-8172-F9D3106AACB1}" type="datetimeFigureOut">
               <a:rPr lang="en-US" smtClean="0"/>
-              <a:t>3/26/2018</a:t>
+              <a:t>8/24/2018</a:t>
             </a:fld>
             <a:endParaRPr lang="en-US" dirty="0"/>
           </a:p>
@@ -8350,7 +8350,7 @@
           <a:p>
             <a:fld id="{4509A250-FF31-4206-8172-F9D3106AACB1}" type="datetimeFigureOut">
               <a:rPr lang="en-US" smtClean="0"/>
-              <a:t>3/26/2018</a:t>
+              <a:t>8/24/2018</a:t>
             </a:fld>
             <a:endParaRPr lang="en-US" dirty="0"/>
           </a:p>
@@ -8530,7 +8530,7 @@
           <a:p>
             <a:fld id="{4509A250-FF31-4206-8172-F9D3106AACB1}" type="datetimeFigureOut">
               <a:rPr lang="en-US" smtClean="0"/>
-              <a:t>3/26/2018</a:t>
+              <a:t>8/24/2018</a:t>
             </a:fld>
             <a:endParaRPr lang="en-US" dirty="0"/>
           </a:p>
@@ -9106,7 +9106,7 @@
           <a:p>
             <a:fld id="{4509A250-FF31-4206-8172-F9D3106AACB1}" type="datetimeFigureOut">
               <a:rPr lang="en-US" smtClean="0"/>
-              <a:t>3/26/2018</a:t>
+              <a:t>8/24/2018</a:t>
             </a:fld>
             <a:endParaRPr lang="en-US" dirty="0"/>
           </a:p>
@@ -9439,7 +9439,7 @@
           <a:p>
             <a:fld id="{4509A250-FF31-4206-8172-F9D3106AACB1}" type="datetimeFigureOut">
               <a:rPr lang="en-US" smtClean="0"/>
-              <a:t>3/26/2018</a:t>
+              <a:t>8/24/2018</a:t>
             </a:fld>
             <a:endParaRPr lang="en-US" dirty="0"/>
           </a:p>
@@ -9615,7 +9615,7 @@
           <a:p>
             <a:fld id="{4509A250-FF31-4206-8172-F9D3106AACB1}" type="datetimeFigureOut">
               <a:rPr lang="en-US" smtClean="0"/>
-              <a:t>3/26/2018</a:t>
+              <a:t>8/24/2018</a:t>
             </a:fld>
             <a:endParaRPr lang="en-US" dirty="0"/>
           </a:p>
@@ -9795,7 +9795,7 @@
           <a:p>
             <a:fld id="{4509A250-FF31-4206-8172-F9D3106AACB1}" type="datetimeFigureOut">
               <a:rPr lang="en-US" smtClean="0"/>
-              <a:t>3/26/2018</a:t>
+              <a:t>8/24/2018</a:t>
             </a:fld>
             <a:endParaRPr lang="en-US" dirty="0"/>
           </a:p>
@@ -9965,7 +9965,7 @@
           <a:p>
             <a:fld id="{4509A250-FF31-4206-8172-F9D3106AACB1}" type="datetimeFigureOut">
               <a:rPr lang="en-US" smtClean="0"/>
-              <a:t>3/26/2018</a:t>
+              <a:t>8/24/2018</a:t>
             </a:fld>
             <a:endParaRPr lang="en-US" dirty="0"/>
           </a:p>
@@ -10222,7 +10222,7 @@
           <a:p>
             <a:fld id="{4509A250-FF31-4206-8172-F9D3106AACB1}" type="datetimeFigureOut">
               <a:rPr lang="en-US" smtClean="0"/>
-              <a:t>3/26/2018</a:t>
+              <a:t>8/24/2018</a:t>
             </a:fld>
             <a:endParaRPr lang="en-US" dirty="0"/>
           </a:p>
@@ -10514,7 +10514,7 @@
           <a:p>
             <a:fld id="{4509A250-FF31-4206-8172-F9D3106AACB1}" type="datetimeFigureOut">
               <a:rPr lang="en-US" smtClean="0"/>
-              <a:t>3/26/2018</a:t>
+              <a:t>8/24/2018</a:t>
             </a:fld>
             <a:endParaRPr lang="en-US" dirty="0"/>
           </a:p>
@@ -10944,7 +10944,7 @@
           <a:p>
             <a:fld id="{4509A250-FF31-4206-8172-F9D3106AACB1}" type="datetimeFigureOut">
               <a:rPr lang="en-US" smtClean="0"/>
-              <a:t>3/26/2018</a:t>
+              <a:t>8/24/2018</a:t>
             </a:fld>
             <a:endParaRPr lang="en-US" dirty="0"/>
           </a:p>
@@ -11062,7 +11062,7 @@
           <a:p>
             <a:fld id="{4509A250-FF31-4206-8172-F9D3106AACB1}" type="datetimeFigureOut">
               <a:rPr lang="en-US" smtClean="0"/>
-              <a:t>3/26/2018</a:t>
+              <a:t>8/24/2018</a:t>
             </a:fld>
             <a:endParaRPr lang="en-US" dirty="0"/>
           </a:p>
@@ -11157,7 +11157,7 @@
           <a:p>
             <a:fld id="{4509A250-FF31-4206-8172-F9D3106AACB1}" type="datetimeFigureOut">
               <a:rPr lang="en-US" smtClean="0"/>
-              <a:t>3/26/2018</a:t>
+              <a:t>8/24/2018</a:t>
             </a:fld>
             <a:endParaRPr lang="en-US" dirty="0"/>
           </a:p>
@@ -11440,7 +11440,7 @@
           <a:p>
             <a:fld id="{4509A250-FF31-4206-8172-F9D3106AACB1}" type="datetimeFigureOut">
               <a:rPr lang="en-US" smtClean="0"/>
-              <a:t>3/26/2018</a:t>
+              <a:t>8/24/2018</a:t>
             </a:fld>
             <a:endParaRPr lang="en-US" dirty="0"/>
           </a:p>
@@ -11731,7 +11731,7 @@
           <a:p>
             <a:fld id="{4509A250-FF31-4206-8172-F9D3106AACB1}" type="datetimeFigureOut">
               <a:rPr lang="en-US" smtClean="0"/>
-              <a:t>3/26/2018</a:t>
+              <a:t>8/24/2018</a:t>
             </a:fld>
             <a:endParaRPr lang="en-US" dirty="0"/>
           </a:p>
@@ -11962,7 +11962,7 @@
           <a:p>
             <a:fld id="{4509A250-FF31-4206-8172-F9D3106AACB1}" type="datetimeFigureOut">
               <a:rPr lang="en-US" smtClean="0"/>
-              <a:t>3/26/2018</a:t>
+              <a:t>8/24/2018</a:t>
             </a:fld>
             <a:endParaRPr lang="en-US" dirty="0"/>
           </a:p>
@@ -12770,26 +12770,6 @@
           <a:bodyPr/>
           <a:lstStyle/>
           <a:p>
-            <a:r>
-              <a:rPr lang="en-US" dirty="0" smtClean="0"/>
-              <a:t>Romaine Halstead </a:t>
-            </a:r>
-          </a:p>
-          <a:p>
-            <a:r>
-              <a:rPr lang="en-US" dirty="0" err="1" smtClean="0"/>
-              <a:t>Romario</a:t>
-            </a:r>
-            <a:r>
-              <a:rPr lang="en-US" dirty="0" smtClean="0"/>
-              <a:t> henry</a:t>
-            </a:r>
-          </a:p>
-          <a:p>
-            <a:r>
-              <a:rPr lang="en-US" dirty="0" smtClean="0"/>
-              <a:t>Garth Clarke</a:t>
-            </a:r>
             <a:endParaRPr lang="en-US" dirty="0"/>
           </a:p>
         </p:txBody>
@@ -13051,25 +13031,13 @@
           <a:p>
             <a:r>
               <a:rPr lang="en-US" dirty="0" smtClean="0"/>
-              <a:t>More vehicles on the road, potentially </a:t>
-            </a:r>
+              <a:t>More vehicles on the road, potentially causes more traffic</a:t>
+            </a:r>
+          </a:p>
+          <a:p>
             <a:r>
               <a:rPr lang="en-US" dirty="0" smtClean="0"/>
-              <a:t>causes </a:t>
-            </a:r>
-            <a:r>
-              <a:rPr lang="en-US" dirty="0" smtClean="0"/>
-              <a:t>more traffic</a:t>
-            </a:r>
-          </a:p>
-          <a:p>
-            <a:r>
-              <a:rPr lang="en-US" dirty="0" smtClean="0"/>
-              <a:t>More </a:t>
-            </a:r>
-            <a:r>
-              <a:rPr lang="en-US" dirty="0" smtClean="0"/>
-              <a:t>pollution</a:t>
+              <a:t>More pollution</a:t>
             </a:r>
           </a:p>
           <a:p>
@@ -13158,11 +13126,7 @@
           <a:p>
             <a:r>
               <a:rPr lang="en-US" dirty="0" smtClean="0"/>
-              <a:t>Focus </a:t>
-            </a:r>
-            <a:r>
-              <a:rPr lang="en-US" dirty="0" smtClean="0"/>
-              <a:t>heavily on safety</a:t>
+              <a:t>Focus heavily on safety</a:t>
             </a:r>
           </a:p>
           <a:p>
@@ -13174,11 +13138,7 @@
           <a:p>
             <a:r>
               <a:rPr lang="en-US" dirty="0" smtClean="0"/>
-              <a:t>Engagement </a:t>
-            </a:r>
-            <a:r>
-              <a:rPr lang="en-US" dirty="0" smtClean="0"/>
-              <a:t>through social media</a:t>
+              <a:t>Engagement through social media</a:t>
             </a:r>
           </a:p>
           <a:p>
@@ -13289,15 +13249,7 @@
             <a:pPr lvl="1"/>
             <a:r>
               <a:rPr lang="en-US" dirty="0" smtClean="0"/>
-              <a:t>Quick access to a skilled </a:t>
-            </a:r>
-            <a:r>
-              <a:rPr lang="en-US" dirty="0" smtClean="0"/>
-              <a:t>and </a:t>
-            </a:r>
-            <a:r>
-              <a:rPr lang="en-US" dirty="0" smtClean="0"/>
-              <a:t>experienced pool of drivers</a:t>
+              <a:t>Quick access to a skilled and experienced pool of drivers</a:t>
             </a:r>
           </a:p>
           <a:p>
@@ -13317,15 +13269,7 @@
             <a:pPr lvl="1"/>
             <a:r>
               <a:rPr lang="en-US" dirty="0" smtClean="0"/>
-              <a:t>This gives access to </a:t>
-            </a:r>
-            <a:r>
-              <a:rPr lang="en-US" dirty="0" smtClean="0"/>
-              <a:t>experienced </a:t>
-            </a:r>
-            <a:r>
-              <a:rPr lang="en-US" dirty="0" smtClean="0"/>
-              <a:t>workers in the sector</a:t>
+              <a:t>This gives access to experienced workers in the sector</a:t>
             </a:r>
             <a:endParaRPr lang="en-US" dirty="0"/>
           </a:p>
@@ -13831,15 +13775,7 @@
             </a:r>
             <a:r>
               <a:rPr lang="en-US" dirty="0" smtClean="0"/>
-              <a:t>– </a:t>
-            </a:r>
-            <a:r>
-              <a:rPr lang="en-US" dirty="0" smtClean="0"/>
-              <a:t>Meru’s </a:t>
-            </a:r>
-            <a:r>
-              <a:rPr lang="en-US" dirty="0" smtClean="0"/>
-              <a:t>innovation would be perceived </a:t>
+              <a:t>– Meru’s innovation would be perceived </a:t>
             </a:r>
             <a:r>
               <a:rPr lang="en-US" dirty="0"/>
@@ -13855,19 +13791,7 @@
             </a:r>
             <a:r>
               <a:rPr lang="en-US" dirty="0" smtClean="0"/>
-              <a:t>supersedes </a:t>
-            </a:r>
-            <a:r>
-              <a:rPr lang="en-US" dirty="0" smtClean="0"/>
-              <a:t>because of the ease of getting </a:t>
-            </a:r>
-            <a:r>
-              <a:rPr lang="en-US" dirty="0" smtClean="0"/>
-              <a:t>taxis </a:t>
-            </a:r>
-            <a:r>
-              <a:rPr lang="en-US" dirty="0" smtClean="0"/>
-              <a:t>									which provided financial </a:t>
+              <a:t>supersedes because of the ease of getting taxis 									which provided financial </a:t>
             </a:r>
             <a:r>
               <a:rPr lang="en-US" dirty="0"/>
